--- a/Update Meeting.pptx
+++ b/Update Meeting.pptx
@@ -132,8 +132,7 @@
 <file path=ppt/revisionInfo.xml><?xml version="1.0" encoding="utf-8"?>
 <p1510:revInfo xmlns:a="http://schemas.openxmlformats.org/drawingml/2006/main" xmlns:r="http://schemas.openxmlformats.org/officeDocument/2006/relationships" xmlns:p1510="http://schemas.microsoft.com/office/powerpoint/2015/10/main">
   <p1510:revLst>
-    <p1510:client id="{7D47ED93-4E69-4B81-ABD4-DB28384AA08A}" v="28" dt="2025-06-10T20:14:18.957"/>
-    <p1510:client id="{DFB0F0DC-DB6D-4F95-B181-2346509E62EC}" v="2" dt="2025-06-11T14:15:16.079"/>
+    <p1510:client id="{4C131903-AD5D-4C5E-879C-D08FDA4120A9}" v="5" dt="2025-06-17T10:00:59.249"/>
   </p1510:revLst>
 </p1510:revInfo>
 </file>
@@ -2085,6 +2084,94 @@
             <ac:spMk id="3" creationId="{3B03112A-A25A-6656-2230-0490CEC3BA1A}"/>
           </ac:spMkLst>
         </pc:spChg>
+      </pc:sldChg>
+    </pc:docChg>
+  </pc:docChgLst>
+  <pc:docChgLst>
+    <pc:chgData name="Jarod van Otegem" userId="40a590013f178374" providerId="LiveId" clId="{4C131903-AD5D-4C5E-879C-D08FDA4120A9}"/>
+    <pc:docChg chg="custSel modSld">
+      <pc:chgData name="Jarod van Otegem" userId="40a590013f178374" providerId="LiveId" clId="{4C131903-AD5D-4C5E-879C-D08FDA4120A9}" dt="2025-06-17T10:19:10.229" v="86" actId="1076"/>
+      <pc:docMkLst>
+        <pc:docMk/>
+      </pc:docMkLst>
+      <pc:sldChg chg="addSp delSp modSp mod">
+        <pc:chgData name="Jarod van Otegem" userId="40a590013f178374" providerId="LiveId" clId="{4C131903-AD5D-4C5E-879C-D08FDA4120A9}" dt="2025-06-17T10:19:10.229" v="86" actId="1076"/>
+        <pc:sldMkLst>
+          <pc:docMk/>
+          <pc:sldMk cId="1529055336" sldId="257"/>
+        </pc:sldMkLst>
+        <pc:spChg chg="add mod">
+          <ac:chgData name="Jarod van Otegem" userId="40a590013f178374" providerId="LiveId" clId="{4C131903-AD5D-4C5E-879C-D08FDA4120A9}" dt="2025-06-17T10:19:10.229" v="86" actId="1076"/>
+          <ac:spMkLst>
+            <pc:docMk/>
+            <pc:sldMk cId="1529055336" sldId="257"/>
+            <ac:spMk id="13" creationId="{CE30F3CC-5DB3-1393-F72B-A608B28709F5}"/>
+          </ac:spMkLst>
+        </pc:spChg>
+        <pc:spChg chg="add del mod">
+          <ac:chgData name="Jarod van Otegem" userId="40a590013f178374" providerId="LiveId" clId="{4C131903-AD5D-4C5E-879C-D08FDA4120A9}" dt="2025-06-17T10:01:31.342" v="52" actId="478"/>
+          <ac:spMkLst>
+            <pc:docMk/>
+            <pc:sldMk cId="1529055336" sldId="257"/>
+            <ac:spMk id="17" creationId="{2BFB7CF1-A66F-279C-2CCD-3E33C70CDF5B}"/>
+          </ac:spMkLst>
+        </pc:spChg>
+        <pc:spChg chg="add mod">
+          <ac:chgData name="Jarod van Otegem" userId="40a590013f178374" providerId="LiveId" clId="{4C131903-AD5D-4C5E-879C-D08FDA4120A9}" dt="2025-06-17T10:02:05.916" v="72" actId="20577"/>
+          <ac:spMkLst>
+            <pc:docMk/>
+            <pc:sldMk cId="1529055336" sldId="257"/>
+            <ac:spMk id="18" creationId="{A09B0AF0-EAA5-C6A1-26C4-47E27B078ABB}"/>
+          </ac:spMkLst>
+        </pc:spChg>
+        <pc:spChg chg="mod">
+          <ac:chgData name="Jarod van Otegem" userId="40a590013f178374" providerId="LiveId" clId="{4C131903-AD5D-4C5E-879C-D08FDA4120A9}" dt="2025-06-17T10:02:08.125" v="73" actId="20577"/>
+          <ac:spMkLst>
+            <pc:docMk/>
+            <pc:sldMk cId="1529055336" sldId="257"/>
+            <ac:spMk id="26" creationId="{EE5BF080-3F74-BB4A-525C-99BD836F24F9}"/>
+          </ac:spMkLst>
+        </pc:spChg>
+        <pc:spChg chg="del mod">
+          <ac:chgData name="Jarod van Otegem" userId="40a590013f178374" providerId="LiveId" clId="{4C131903-AD5D-4C5E-879C-D08FDA4120A9}" dt="2025-06-17T09:31:28.877" v="1" actId="478"/>
+          <ac:spMkLst>
+            <pc:docMk/>
+            <pc:sldMk cId="1529055336" sldId="257"/>
+            <ac:spMk id="63" creationId="{1ECB81C3-B322-765F-ABE0-A76E23FC6D67}"/>
+          </ac:spMkLst>
+        </pc:spChg>
+        <pc:cxnChg chg="add mod">
+          <ac:chgData name="Jarod van Otegem" userId="40a590013f178374" providerId="LiveId" clId="{4C131903-AD5D-4C5E-879C-D08FDA4120A9}" dt="2025-06-17T10:01:52.080" v="57" actId="14100"/>
+          <ac:cxnSpMkLst>
+            <pc:docMk/>
+            <pc:sldMk cId="1529055336" sldId="257"/>
+            <ac:cxnSpMk id="2" creationId="{7DFFA013-FC7A-0C92-9F6F-826CEDEE4CA4}"/>
+          </ac:cxnSpMkLst>
+        </pc:cxnChg>
+        <pc:cxnChg chg="add mod">
+          <ac:chgData name="Jarod van Otegem" userId="40a590013f178374" providerId="LiveId" clId="{4C131903-AD5D-4C5E-879C-D08FDA4120A9}" dt="2025-06-17T10:01:43.881" v="55" actId="14100"/>
+          <ac:cxnSpMkLst>
+            <pc:docMk/>
+            <pc:sldMk cId="1529055336" sldId="257"/>
+            <ac:cxnSpMk id="10" creationId="{2B7A7EE4-E0ED-DC0E-5AA0-FDAC2BC1345D}"/>
+          </ac:cxnSpMkLst>
+        </pc:cxnChg>
+        <pc:cxnChg chg="add mod">
+          <ac:chgData name="Jarod van Otegem" userId="40a590013f178374" providerId="LiveId" clId="{4C131903-AD5D-4C5E-879C-D08FDA4120A9}" dt="2025-06-17T10:02:30.598" v="77" actId="14100"/>
+          <ac:cxnSpMkLst>
+            <pc:docMk/>
+            <pc:sldMk cId="1529055336" sldId="257"/>
+            <ac:cxnSpMk id="22" creationId="{0A88E4D2-797F-B77B-5EAB-06730B242BBD}"/>
+          </ac:cxnSpMkLst>
+        </pc:cxnChg>
+        <pc:cxnChg chg="mod">
+          <ac:chgData name="Jarod van Otegem" userId="40a590013f178374" providerId="LiveId" clId="{4C131903-AD5D-4C5E-879C-D08FDA4120A9}" dt="2025-06-17T10:02:40.756" v="78" actId="14100"/>
+          <ac:cxnSpMkLst>
+            <pc:docMk/>
+            <pc:sldMk cId="1529055336" sldId="257"/>
+            <ac:cxnSpMk id="39" creationId="{2ABE2AE0-A7E3-FBB3-F53D-36CFF89A2E1F}"/>
+          </ac:cxnSpMkLst>
+        </pc:cxnChg>
       </pc:sldChg>
     </pc:docChg>
   </pc:docChgLst>
@@ -2240,7 +2327,7 @@
           <a:p>
             <a:fld id="{46451311-CBD5-4883-8E4F-1218AF6F0A1C}" type="datetimeFigureOut">
               <a:rPr lang="en-NL" smtClean="0"/>
-              <a:t>11/06/2025</a:t>
+              <a:t>17/06/2025</a:t>
             </a:fld>
             <a:endParaRPr lang="en-NL"/>
           </a:p>
@@ -2440,7 +2527,7 @@
           <a:p>
             <a:fld id="{46451311-CBD5-4883-8E4F-1218AF6F0A1C}" type="datetimeFigureOut">
               <a:rPr lang="en-NL" smtClean="0"/>
-              <a:t>11/06/2025</a:t>
+              <a:t>17/06/2025</a:t>
             </a:fld>
             <a:endParaRPr lang="en-NL"/>
           </a:p>
@@ -2650,7 +2737,7 @@
           <a:p>
             <a:fld id="{46451311-CBD5-4883-8E4F-1218AF6F0A1C}" type="datetimeFigureOut">
               <a:rPr lang="en-NL" smtClean="0"/>
-              <a:t>11/06/2025</a:t>
+              <a:t>17/06/2025</a:t>
             </a:fld>
             <a:endParaRPr lang="en-NL"/>
           </a:p>
@@ -2850,7 +2937,7 @@
           <a:p>
             <a:fld id="{46451311-CBD5-4883-8E4F-1218AF6F0A1C}" type="datetimeFigureOut">
               <a:rPr lang="en-NL" smtClean="0"/>
-              <a:t>11/06/2025</a:t>
+              <a:t>17/06/2025</a:t>
             </a:fld>
             <a:endParaRPr lang="en-NL"/>
           </a:p>
@@ -3126,7 +3213,7 @@
           <a:p>
             <a:fld id="{46451311-CBD5-4883-8E4F-1218AF6F0A1C}" type="datetimeFigureOut">
               <a:rPr lang="en-NL" smtClean="0"/>
-              <a:t>11/06/2025</a:t>
+              <a:t>17/06/2025</a:t>
             </a:fld>
             <a:endParaRPr lang="en-NL"/>
           </a:p>
@@ -3394,7 +3481,7 @@
           <a:p>
             <a:fld id="{46451311-CBD5-4883-8E4F-1218AF6F0A1C}" type="datetimeFigureOut">
               <a:rPr lang="en-NL" smtClean="0"/>
-              <a:t>11/06/2025</a:t>
+              <a:t>17/06/2025</a:t>
             </a:fld>
             <a:endParaRPr lang="en-NL"/>
           </a:p>
@@ -3809,7 +3896,7 @@
           <a:p>
             <a:fld id="{46451311-CBD5-4883-8E4F-1218AF6F0A1C}" type="datetimeFigureOut">
               <a:rPr lang="en-NL" smtClean="0"/>
-              <a:t>11/06/2025</a:t>
+              <a:t>17/06/2025</a:t>
             </a:fld>
             <a:endParaRPr lang="en-NL"/>
           </a:p>
@@ -3951,7 +4038,7 @@
           <a:p>
             <a:fld id="{46451311-CBD5-4883-8E4F-1218AF6F0A1C}" type="datetimeFigureOut">
               <a:rPr lang="en-NL" smtClean="0"/>
-              <a:t>11/06/2025</a:t>
+              <a:t>17/06/2025</a:t>
             </a:fld>
             <a:endParaRPr lang="en-NL"/>
           </a:p>
@@ -4064,7 +4151,7 @@
           <a:p>
             <a:fld id="{46451311-CBD5-4883-8E4F-1218AF6F0A1C}" type="datetimeFigureOut">
               <a:rPr lang="en-NL" smtClean="0"/>
-              <a:t>11/06/2025</a:t>
+              <a:t>17/06/2025</a:t>
             </a:fld>
             <a:endParaRPr lang="en-NL"/>
           </a:p>
@@ -4377,7 +4464,7 @@
           <a:p>
             <a:fld id="{46451311-CBD5-4883-8E4F-1218AF6F0A1C}" type="datetimeFigureOut">
               <a:rPr lang="en-NL" smtClean="0"/>
-              <a:t>11/06/2025</a:t>
+              <a:t>17/06/2025</a:t>
             </a:fld>
             <a:endParaRPr lang="en-NL"/>
           </a:p>
@@ -4666,7 +4753,7 @@
           <a:p>
             <a:fld id="{46451311-CBD5-4883-8E4F-1218AF6F0A1C}" type="datetimeFigureOut">
               <a:rPr lang="en-NL" smtClean="0"/>
-              <a:t>11/06/2025</a:t>
+              <a:t>17/06/2025</a:t>
             </a:fld>
             <a:endParaRPr lang="en-NL"/>
           </a:p>
@@ -4909,7 +4996,7 @@
           <a:p>
             <a:fld id="{46451311-CBD5-4883-8E4F-1218AF6F0A1C}" type="datetimeFigureOut">
               <a:rPr lang="en-NL" smtClean="0"/>
-              <a:t>11/06/2025</a:t>
+              <a:t>17/06/2025</a:t>
             </a:fld>
             <a:endParaRPr lang="en-NL"/>
           </a:p>
@@ -12029,7 +12116,7 @@
               <a:rPr lang="en-US" dirty="0" err="1"/>
               <a:t>WorkerThread</a:t>
             </a:r>
-            <a:endParaRPr lang="en-NL" dirty="0"/>
+            <a:endParaRPr lang="en-US" dirty="0"/>
           </a:p>
         </p:txBody>
       </p:sp>
@@ -12308,20 +12395,17 @@
           </p:cNvPr>
           <p:cNvCxnSpPr>
             <a:cxnSpLocks/>
-            <a:stCxn id="37" idx="3"/>
-            <a:endCxn id="26" idx="3"/>
+            <a:stCxn id="37" idx="1"/>
           </p:cNvCxnSpPr>
           <p:nvPr/>
         </p:nvCxnSpPr>
         <p:spPr>
-          <a:xfrm flipH="1" flipV="1">
-            <a:off x="8715503" y="1680950"/>
-            <a:ext cx="544285" cy="3178461"/>
-          </a:xfrm>
-          <a:prstGeom prst="bentConnector3">
-            <a:avLst>
-              <a:gd name="adj1" fmla="val -25790"/>
-            </a:avLst>
+          <a:xfrm rot="10800000">
+            <a:off x="7086388" y="2334093"/>
+            <a:ext cx="112373" cy="2525318"/>
+          </a:xfrm>
+          <a:prstGeom prst="bentConnector2">
+            <a:avLst/>
           </a:prstGeom>
         </p:spPr>
         <p:style>
@@ -12432,42 +12516,6 @@
       </p:cxnSp>
       <p:sp>
         <p:nvSpPr>
-          <p:cNvPr id="63" name="TextBox 62">
-            <a:extLst>
-              <a:ext uri="{FF2B5EF4-FFF2-40B4-BE49-F238E27FC236}">
-                <a16:creationId xmlns:a16="http://schemas.microsoft.com/office/drawing/2014/main" id="{1ECB81C3-B322-765F-ABE0-A76E23FC6D67}"/>
-              </a:ext>
-            </a:extLst>
-          </p:cNvPr>
-          <p:cNvSpPr txBox="1"/>
-          <p:nvPr/>
-        </p:nvSpPr>
-        <p:spPr>
-          <a:xfrm>
-            <a:off x="122830" y="162303"/>
-            <a:ext cx="5740618" cy="646331"/>
-          </a:xfrm>
-          <a:prstGeom prst="rect">
-            <a:avLst/>
-          </a:prstGeom>
-          <a:noFill/>
-        </p:spPr>
-        <p:txBody>
-          <a:bodyPr wrap="square" rtlCol="0">
-            <a:spAutoFit/>
-          </a:bodyPr>
-          <a:lstStyle/>
-          <a:p>
-            <a:r>
-              <a:rPr lang="en-US" sz="3600" dirty="0"/>
-              <a:t>File Chart</a:t>
-            </a:r>
-            <a:endParaRPr lang="en-NL" sz="3600" dirty="0"/>
-          </a:p>
-        </p:txBody>
-      </p:sp>
-      <p:sp>
-        <p:nvSpPr>
           <p:cNvPr id="70" name="TextBox 69">
             <a:extLst>
               <a:ext uri="{FF2B5EF4-FFF2-40B4-BE49-F238E27FC236}">
@@ -12607,6 +12655,221 @@
           </a:xfrm>
           <a:prstGeom prst="line">
             <a:avLst/>
+          </a:prstGeom>
+        </p:spPr>
+        <p:style>
+          <a:lnRef idx="2">
+            <a:schemeClr val="dk1"/>
+          </a:lnRef>
+          <a:fillRef idx="0">
+            <a:schemeClr val="dk1"/>
+          </a:fillRef>
+          <a:effectRef idx="1">
+            <a:schemeClr val="dk1"/>
+          </a:effectRef>
+          <a:fontRef idx="minor">
+            <a:schemeClr val="tx1"/>
+          </a:fontRef>
+        </p:style>
+      </p:cxnSp>
+      <p:cxnSp>
+        <p:nvCxnSpPr>
+          <p:cNvPr id="2" name="Straight Arrow Connector 1">
+            <a:extLst>
+              <a:ext uri="{FF2B5EF4-FFF2-40B4-BE49-F238E27FC236}">
+                <a16:creationId xmlns:a16="http://schemas.microsoft.com/office/drawing/2014/main" id="{7DFFA013-FC7A-0C92-9F6F-826CEDEE4CA4}"/>
+              </a:ext>
+            </a:extLst>
+          </p:cNvPr>
+          <p:cNvCxnSpPr>
+            <a:cxnSpLocks/>
+            <a:stCxn id="7" idx="2"/>
+            <a:endCxn id="18" idx="1"/>
+          </p:cNvCxnSpPr>
+          <p:nvPr/>
+        </p:nvCxnSpPr>
+        <p:spPr>
+          <a:xfrm>
+            <a:off x="5863448" y="3961260"/>
+            <a:ext cx="1335312" cy="2130325"/>
+          </a:xfrm>
+          <a:prstGeom prst="straightConnector1">
+            <a:avLst/>
+          </a:prstGeom>
+          <a:ln>
+            <a:prstDash val="dash"/>
+            <a:headEnd type="triangle"/>
+            <a:tailEnd type="triangle"/>
+          </a:ln>
+        </p:spPr>
+        <p:style>
+          <a:lnRef idx="2">
+            <a:schemeClr val="dk1"/>
+          </a:lnRef>
+          <a:fillRef idx="0">
+            <a:schemeClr val="dk1"/>
+          </a:fillRef>
+          <a:effectRef idx="1">
+            <a:schemeClr val="dk1"/>
+          </a:effectRef>
+          <a:fontRef idx="minor">
+            <a:schemeClr val="tx1"/>
+          </a:fontRef>
+        </p:style>
+      </p:cxnSp>
+      <p:cxnSp>
+        <p:nvCxnSpPr>
+          <p:cNvPr id="10" name="Straight Arrow Connector 9">
+            <a:extLst>
+              <a:ext uri="{FF2B5EF4-FFF2-40B4-BE49-F238E27FC236}">
+                <a16:creationId xmlns:a16="http://schemas.microsoft.com/office/drawing/2014/main" id="{2B7A7EE4-E0ED-DC0E-5AA0-FDAC2BC1345D}"/>
+              </a:ext>
+            </a:extLst>
+          </p:cNvPr>
+          <p:cNvCxnSpPr>
+            <a:cxnSpLocks/>
+            <a:endCxn id="18" idx="1"/>
+          </p:cNvCxnSpPr>
+          <p:nvPr/>
+        </p:nvCxnSpPr>
+        <p:spPr>
+          <a:xfrm>
+            <a:off x="4311600" y="3961259"/>
+            <a:ext cx="2887160" cy="2130326"/>
+          </a:xfrm>
+          <a:prstGeom prst="straightConnector1">
+            <a:avLst/>
+          </a:prstGeom>
+          <a:ln>
+            <a:prstDash val="dash"/>
+            <a:headEnd type="triangle"/>
+            <a:tailEnd type="triangle"/>
+          </a:ln>
+        </p:spPr>
+        <p:style>
+          <a:lnRef idx="2">
+            <a:schemeClr val="dk1"/>
+          </a:lnRef>
+          <a:fillRef idx="0">
+            <a:schemeClr val="dk1"/>
+          </a:fillRef>
+          <a:effectRef idx="1">
+            <a:schemeClr val="dk1"/>
+          </a:effectRef>
+          <a:fontRef idx="minor">
+            <a:schemeClr val="tx1"/>
+          </a:fontRef>
+        </p:style>
+      </p:cxnSp>
+      <p:sp>
+        <p:nvSpPr>
+          <p:cNvPr id="13" name="TextBox 12">
+            <a:extLst>
+              <a:ext uri="{FF2B5EF4-FFF2-40B4-BE49-F238E27FC236}">
+                <a16:creationId xmlns:a16="http://schemas.microsoft.com/office/drawing/2014/main" id="{CE30F3CC-5DB3-1393-F72B-A608B28709F5}"/>
+              </a:ext>
+            </a:extLst>
+          </p:cNvPr>
+          <p:cNvSpPr txBox="1"/>
+          <p:nvPr/>
+        </p:nvSpPr>
+        <p:spPr>
+          <a:xfrm rot="2447605">
+            <a:off x="5739029" y="5177221"/>
+            <a:ext cx="1599492" cy="369332"/>
+          </a:xfrm>
+          <a:prstGeom prst="rect">
+            <a:avLst/>
+          </a:prstGeom>
+          <a:noFill/>
+        </p:spPr>
+        <p:txBody>
+          <a:bodyPr wrap="square" rtlCol="0">
+            <a:spAutoFit/>
+          </a:bodyPr>
+          <a:lstStyle/>
+          <a:p>
+            <a:r>
+              <a:rPr lang="en-US" dirty="0"/>
+              <a:t>Signals</a:t>
+            </a:r>
+            <a:endParaRPr lang="en-NL" dirty="0"/>
+          </a:p>
+        </p:txBody>
+      </p:sp>
+      <p:sp>
+        <p:nvSpPr>
+          <p:cNvPr id="18" name="Rectangle 17">
+            <a:extLst>
+              <a:ext uri="{FF2B5EF4-FFF2-40B4-BE49-F238E27FC236}">
+                <a16:creationId xmlns:a16="http://schemas.microsoft.com/office/drawing/2014/main" id="{A09B0AF0-EAA5-C6A1-26C4-47E27B078ABB}"/>
+              </a:ext>
+            </a:extLst>
+          </p:cNvPr>
+          <p:cNvSpPr/>
+          <p:nvPr/>
+        </p:nvSpPr>
+        <p:spPr>
+          <a:xfrm>
+            <a:off x="7198760" y="5651744"/>
+            <a:ext cx="2061028" cy="879681"/>
+          </a:xfrm>
+          <a:prstGeom prst="rect">
+            <a:avLst/>
+          </a:prstGeom>
+        </p:spPr>
+        <p:style>
+          <a:lnRef idx="2">
+            <a:schemeClr val="dk1"/>
+          </a:lnRef>
+          <a:fillRef idx="1">
+            <a:schemeClr val="lt1"/>
+          </a:fillRef>
+          <a:effectRef idx="0">
+            <a:schemeClr val="dk1"/>
+          </a:effectRef>
+          <a:fontRef idx="minor">
+            <a:schemeClr val="dk1"/>
+          </a:fontRef>
+        </p:style>
+        <p:txBody>
+          <a:bodyPr rtlCol="0" anchor="ctr"/>
+          <a:lstStyle/>
+          <a:p>
+            <a:pPr algn="ctr"/>
+            <a:r>
+              <a:rPr lang="en-US" dirty="0" err="1"/>
+              <a:t>GraphThread</a:t>
+            </a:r>
+            <a:endParaRPr lang="en-NL" dirty="0"/>
+          </a:p>
+        </p:txBody>
+      </p:sp>
+      <p:cxnSp>
+        <p:nvCxnSpPr>
+          <p:cNvPr id="22" name="Connector: Elbow 21">
+            <a:extLst>
+              <a:ext uri="{FF2B5EF4-FFF2-40B4-BE49-F238E27FC236}">
+                <a16:creationId xmlns:a16="http://schemas.microsoft.com/office/drawing/2014/main" id="{0A88E4D2-797F-B77B-5EAB-06730B242BBD}"/>
+              </a:ext>
+            </a:extLst>
+          </p:cNvPr>
+          <p:cNvCxnSpPr>
+            <a:cxnSpLocks/>
+            <a:stCxn id="26" idx="3"/>
+            <a:endCxn id="18" idx="3"/>
+          </p:cNvCxnSpPr>
+          <p:nvPr/>
+        </p:nvCxnSpPr>
+        <p:spPr>
+          <a:xfrm>
+            <a:off x="8715503" y="1680950"/>
+            <a:ext cx="544285" cy="4410635"/>
+          </a:xfrm>
+          <a:prstGeom prst="bentConnector3">
+            <a:avLst>
+              <a:gd name="adj1" fmla="val 142000"/>
+            </a:avLst>
           </a:prstGeom>
         </p:spPr>
         <p:style>

--- a/Update Meeting.pptx
+++ b/Update Meeting.pptx
@@ -132,8 +132,7 @@
 <file path=ppt/revisionInfo.xml><?xml version="1.0" encoding="utf-8"?>
 <p1510:revInfo xmlns:a="http://schemas.openxmlformats.org/drawingml/2006/main" xmlns:r="http://schemas.openxmlformats.org/officeDocument/2006/relationships" xmlns:p1510="http://schemas.microsoft.com/office/powerpoint/2015/10/main">
   <p1510:revLst>
-    <p1510:client id="{7D47ED93-4E69-4B81-ABD4-DB28384AA08A}" v="28" dt="2025-06-10T20:14:18.957"/>
-    <p1510:client id="{DFB0F0DC-DB6D-4F95-B181-2346509E62EC}" v="2" dt="2025-06-11T14:15:16.079"/>
+    <p1510:client id="{DFB0F0DC-DB6D-4F95-B181-2346509E62EC}" v="4" dt="2025-06-18T08:03:35.979"/>
   </p1510:revLst>
 </p1510:revInfo>
 </file>
@@ -143,16 +142,24 @@
   <pc:docChgLst>
     <pc:chgData name="Jarod van Otegem" userId="40a590013f178374" providerId="LiveId" clId="{DFB0F0DC-DB6D-4F95-B181-2346509E62EC}"/>
     <pc:docChg chg="custSel modSld">
-      <pc:chgData name="Jarod van Otegem" userId="40a590013f178374" providerId="LiveId" clId="{DFB0F0DC-DB6D-4F95-B181-2346509E62EC}" dt="2025-06-11T14:15:24.375" v="205" actId="1076"/>
+      <pc:chgData name="Jarod van Otegem" userId="40a590013f178374" providerId="LiveId" clId="{DFB0F0DC-DB6D-4F95-B181-2346509E62EC}" dt="2025-06-18T08:06:36.694" v="228" actId="20577"/>
       <pc:docMkLst>
         <pc:docMk/>
       </pc:docMkLst>
       <pc:sldChg chg="addSp modSp mod">
-        <pc:chgData name="Jarod van Otegem" userId="40a590013f178374" providerId="LiveId" clId="{DFB0F0DC-DB6D-4F95-B181-2346509E62EC}" dt="2025-06-11T14:15:24.375" v="205" actId="1076"/>
+        <pc:chgData name="Jarod van Otegem" userId="40a590013f178374" providerId="LiveId" clId="{DFB0F0DC-DB6D-4F95-B181-2346509E62EC}" dt="2025-06-18T08:06:36.694" v="228" actId="20577"/>
         <pc:sldMkLst>
           <pc:docMk/>
           <pc:sldMk cId="1529055336" sldId="257"/>
         </pc:sldMkLst>
+        <pc:spChg chg="add mod">
+          <ac:chgData name="Jarod van Otegem" userId="40a590013f178374" providerId="LiveId" clId="{DFB0F0DC-DB6D-4F95-B181-2346509E62EC}" dt="2025-06-18T08:06:36.694" v="228" actId="20577"/>
+          <ac:spMkLst>
+            <pc:docMk/>
+            <pc:sldMk cId="1529055336" sldId="257"/>
+            <ac:spMk id="2" creationId="{478498F9-B9DB-E357-D408-B70DB69DDBE3}"/>
+          </ac:spMkLst>
+        </pc:spChg>
         <pc:spChg chg="add mod">
           <ac:chgData name="Jarod van Otegem" userId="40a590013f178374" providerId="LiveId" clId="{DFB0F0DC-DB6D-4F95-B181-2346509E62EC}" dt="2025-06-11T14:15:13.199" v="203" actId="20577"/>
           <ac:spMkLst>
@@ -186,6 +193,14 @@
           </ac:spMkLst>
         </pc:spChg>
         <pc:cxnChg chg="add mod">
+          <ac:chgData name="Jarod van Otegem" userId="40a590013f178374" providerId="LiveId" clId="{DFB0F0DC-DB6D-4F95-B181-2346509E62EC}" dt="2025-06-18T08:06:12.063" v="215" actId="14100"/>
+          <ac:cxnSpMkLst>
+            <pc:docMk/>
+            <pc:sldMk cId="1529055336" sldId="257"/>
+            <ac:cxnSpMk id="3" creationId="{7B76E272-DEC4-75B7-3DAB-BDEA64D82844}"/>
+          </ac:cxnSpMkLst>
+        </pc:cxnChg>
+        <pc:cxnChg chg="add mod">
           <ac:chgData name="Jarod van Otegem" userId="40a590013f178374" providerId="LiveId" clId="{DFB0F0DC-DB6D-4F95-B181-2346509E62EC}" dt="2025-06-11T14:15:24.375" v="205" actId="1076"/>
           <ac:cxnSpMkLst>
             <pc:docMk/>
@@ -210,7 +225,7 @@
           </ac:cxnSpMkLst>
         </pc:cxnChg>
         <pc:cxnChg chg="mod">
-          <ac:chgData name="Jarod van Otegem" userId="40a590013f178374" providerId="LiveId" clId="{DFB0F0DC-DB6D-4F95-B181-2346509E62EC}" dt="2025-06-11T07:47:47.349" v="2" actId="14100"/>
+          <ac:chgData name="Jarod van Otegem" userId="40a590013f178374" providerId="LiveId" clId="{DFB0F0DC-DB6D-4F95-B181-2346509E62EC}" dt="2025-06-18T08:05:55.907" v="214" actId="14100"/>
           <ac:cxnSpMkLst>
             <pc:docMk/>
             <pc:sldMk cId="1529055336" sldId="257"/>
@@ -382,22 +397,6 @@
             <ac:cxnSpMk id="42" creationId="{76B5371F-A138-67DA-FCFA-7F4F312E9F35}"/>
           </ac:cxnSpMkLst>
         </pc:cxnChg>
-        <pc:cxnChg chg="add mod">
-          <ac:chgData name="Jarod van Otegem" userId="40a590013f178374" providerId="LiveId" clId="{7D47ED93-4E69-4B81-ABD4-DB28384AA08A}" dt="2025-06-10T12:59:07.653" v="537" actId="14100"/>
-          <ac:cxnSpMkLst>
-            <pc:docMk/>
-            <pc:sldMk cId="1529055336" sldId="257"/>
-            <ac:cxnSpMk id="73" creationId="{4756A700-4BD3-B499-6B2C-02BE67846707}"/>
-          </ac:cxnSpMkLst>
-        </pc:cxnChg>
-        <pc:cxnChg chg="add mod">
-          <ac:chgData name="Jarod van Otegem" userId="40a590013f178374" providerId="LiveId" clId="{7D47ED93-4E69-4B81-ABD4-DB28384AA08A}" dt="2025-06-10T12:59:06.678" v="535" actId="14100"/>
-          <ac:cxnSpMkLst>
-            <pc:docMk/>
-            <pc:sldMk cId="1529055336" sldId="257"/>
-            <ac:cxnSpMk id="76" creationId="{F1626CD1-B488-1ECA-AD55-8D4B9EA43704}"/>
-          </ac:cxnSpMkLst>
-        </pc:cxnChg>
       </pc:sldChg>
       <pc:sldChg chg="addSp delSp modSp new mod">
         <pc:chgData name="Jarod van Otegem" userId="40a590013f178374" providerId="LiveId" clId="{7D47ED93-4E69-4B81-ABD4-DB28384AA08A}" dt="2025-06-10T13:00:03.724" v="585" actId="20577"/>
@@ -413,14 +412,6 @@
             <ac:spMk id="2" creationId="{D3309FC9-502E-168D-2E86-7C4D3B11DCDB}"/>
           </ac:spMkLst>
         </pc:spChg>
-        <pc:spChg chg="del mod">
-          <ac:chgData name="Jarod van Otegem" userId="40a590013f178374" providerId="LiveId" clId="{7D47ED93-4E69-4B81-ABD4-DB28384AA08A}" dt="2025-06-10T11:41:10.476" v="53" actId="478"/>
-          <ac:spMkLst>
-            <pc:docMk/>
-            <pc:sldMk cId="3153941708" sldId="258"/>
-            <ac:spMk id="3" creationId="{71B31080-1EE7-1092-120A-4898D86587EE}"/>
-          </ac:spMkLst>
-        </pc:spChg>
         <pc:spChg chg="add mod">
           <ac:chgData name="Jarod van Otegem" userId="40a590013f178374" providerId="LiveId" clId="{7D47ED93-4E69-4B81-ABD4-DB28384AA08A}" dt="2025-06-10T12:58:39.333" v="525" actId="20577"/>
           <ac:spMkLst>
@@ -451,14 +442,6 @@
             <pc:docMk/>
             <pc:sldMk cId="3153941708" sldId="258"/>
             <ac:spMk id="9" creationId="{565A88F0-2831-C31B-A8A9-5621A78780C2}"/>
-          </ac:spMkLst>
-        </pc:spChg>
-        <pc:spChg chg="add del mod">
-          <ac:chgData name="Jarod van Otegem" userId="40a590013f178374" providerId="LiveId" clId="{7D47ED93-4E69-4B81-ABD4-DB28384AA08A}" dt="2025-06-10T12:53:56.440" v="301"/>
-          <ac:spMkLst>
-            <pc:docMk/>
-            <pc:sldMk cId="3153941708" sldId="258"/>
-            <ac:spMk id="11" creationId="{E3979EC9-975D-5629-0E6A-C52FEB582E06}"/>
           </ac:spMkLst>
         </pc:spChg>
         <pc:spChg chg="add mod">
@@ -508,22 +491,6 @@
             <ac:spMk id="9" creationId="{7262EC5D-36C3-288A-247B-CE8975DCA2EB}"/>
           </ac:spMkLst>
         </pc:spChg>
-        <pc:picChg chg="add del mod">
-          <ac:chgData name="Jarod van Otegem" userId="40a590013f178374" providerId="LiveId" clId="{7D47ED93-4E69-4B81-ABD4-DB28384AA08A}" dt="2025-06-10T11:42:23.146" v="56" actId="478"/>
-          <ac:picMkLst>
-            <pc:docMk/>
-            <pc:sldMk cId="4029227942" sldId="259"/>
-            <ac:picMk id="4" creationId="{8BD21FBF-084C-AE1C-4F55-069E1CBCE0C7}"/>
-          </ac:picMkLst>
-        </pc:picChg>
-        <pc:picChg chg="add del">
-          <ac:chgData name="Jarod van Otegem" userId="40a590013f178374" providerId="LiveId" clId="{7D47ED93-4E69-4B81-ABD4-DB28384AA08A}" dt="2025-06-10T11:42:25.876" v="58" actId="478"/>
-          <ac:picMkLst>
-            <pc:docMk/>
-            <pc:sldMk cId="4029227942" sldId="259"/>
-            <ac:picMk id="6" creationId="{0EFC921A-3B68-E91D-631E-6EDA736E723F}"/>
-          </ac:picMkLst>
-        </pc:picChg>
         <pc:picChg chg="add">
           <ac:chgData name="Jarod van Otegem" userId="40a590013f178374" providerId="LiveId" clId="{7D47ED93-4E69-4B81-ABD4-DB28384AA08A}" dt="2025-06-10T11:42:37.248" v="59" actId="22"/>
           <ac:picMkLst>
@@ -539,36 +506,12 @@
           <pc:docMk/>
           <pc:sldMk cId="920535154" sldId="260"/>
         </pc:sldMkLst>
-        <pc:spChg chg="del">
-          <ac:chgData name="Jarod van Otegem" userId="40a590013f178374" providerId="LiveId" clId="{7D47ED93-4E69-4B81-ABD4-DB28384AA08A}" dt="2025-06-10T11:50:12.550" v="62" actId="478"/>
-          <ac:spMkLst>
-            <pc:docMk/>
-            <pc:sldMk cId="920535154" sldId="260"/>
-            <ac:spMk id="2" creationId="{DC12E393-0F40-4508-5021-DFBDD7C728B8}"/>
-          </ac:spMkLst>
-        </pc:spChg>
-        <pc:spChg chg="del">
-          <ac:chgData name="Jarod van Otegem" userId="40a590013f178374" providerId="LiveId" clId="{7D47ED93-4E69-4B81-ABD4-DB28384AA08A}" dt="2025-06-10T11:50:11.518" v="61" actId="478"/>
-          <ac:spMkLst>
-            <pc:docMk/>
-            <pc:sldMk cId="920535154" sldId="260"/>
-            <ac:spMk id="3" creationId="{5A696C39-94DA-5EAC-5093-4C8FB485F6E1}"/>
-          </ac:spMkLst>
-        </pc:spChg>
         <pc:spChg chg="add mod">
           <ac:chgData name="Jarod van Otegem" userId="40a590013f178374" providerId="LiveId" clId="{7D47ED93-4E69-4B81-ABD4-DB28384AA08A}" dt="2025-06-10T11:51:34.969" v="97" actId="255"/>
           <ac:spMkLst>
             <pc:docMk/>
             <pc:sldMk cId="920535154" sldId="260"/>
             <ac:spMk id="6" creationId="{62E6A3FA-F03C-B04B-885F-FDE7B42C3538}"/>
-          </ac:spMkLst>
-        </pc:spChg>
-        <pc:spChg chg="add del">
-          <ac:chgData name="Jarod van Otegem" userId="40a590013f178374" providerId="LiveId" clId="{7D47ED93-4E69-4B81-ABD4-DB28384AA08A}" dt="2025-06-10T11:55:30.778" v="104" actId="11529"/>
-          <ac:spMkLst>
-            <pc:docMk/>
-            <pc:sldMk cId="920535154" sldId="260"/>
-            <ac:spMk id="7" creationId="{F5F15218-5492-0CFD-6B37-D68BD872F140}"/>
           </ac:spMkLst>
         </pc:spChg>
         <pc:spChg chg="add">
@@ -752,118 +695,6 @@
           </ac:spMkLst>
         </pc:spChg>
         <pc:spChg chg="add mod">
-          <ac:chgData name="Jarod van Otegem" userId="40a590013f178374" providerId="LiveId" clId="{7D47ED93-4E69-4B81-ABD4-DB28384AA08A}" dt="2025-06-10T13:06:24.923" v="797" actId="1076"/>
-          <ac:spMkLst>
-            <pc:docMk/>
-            <pc:sldMk cId="84777766" sldId="264"/>
-            <ac:spMk id="4" creationId="{4CF57185-A773-A257-D619-6D03803B5C8E}"/>
-          </ac:spMkLst>
-        </pc:spChg>
-        <pc:spChg chg="add mod">
-          <ac:chgData name="Jarod van Otegem" userId="40a590013f178374" providerId="LiveId" clId="{7D47ED93-4E69-4B81-ABD4-DB28384AA08A}" dt="2025-06-10T13:06:24.923" v="797" actId="1076"/>
-          <ac:spMkLst>
-            <pc:docMk/>
-            <pc:sldMk cId="84777766" sldId="264"/>
-            <ac:spMk id="5" creationId="{0A73D244-9AF8-0930-356B-059558CCA531}"/>
-          </ac:spMkLst>
-        </pc:spChg>
-        <pc:spChg chg="add mod">
-          <ac:chgData name="Jarod van Otegem" userId="40a590013f178374" providerId="LiveId" clId="{7D47ED93-4E69-4B81-ABD4-DB28384AA08A}" dt="2025-06-10T13:06:24.923" v="797" actId="1076"/>
-          <ac:spMkLst>
-            <pc:docMk/>
-            <pc:sldMk cId="84777766" sldId="264"/>
-            <ac:spMk id="6" creationId="{A1040913-ED82-1F35-F046-54E5A31DF3CD}"/>
-          </ac:spMkLst>
-        </pc:spChg>
-        <pc:spChg chg="add mod">
-          <ac:chgData name="Jarod van Otegem" userId="40a590013f178374" providerId="LiveId" clId="{7D47ED93-4E69-4B81-ABD4-DB28384AA08A}" dt="2025-06-10T13:06:24.923" v="797" actId="1076"/>
-          <ac:spMkLst>
-            <pc:docMk/>
-            <pc:sldMk cId="84777766" sldId="264"/>
-            <ac:spMk id="7" creationId="{E4B50EB8-5366-FBA2-8545-34441D59FB6B}"/>
-          </ac:spMkLst>
-        </pc:spChg>
-        <pc:spChg chg="add mod">
-          <ac:chgData name="Jarod van Otegem" userId="40a590013f178374" providerId="LiveId" clId="{7D47ED93-4E69-4B81-ABD4-DB28384AA08A}" dt="2025-06-10T13:06:24.923" v="797" actId="1076"/>
-          <ac:spMkLst>
-            <pc:docMk/>
-            <pc:sldMk cId="84777766" sldId="264"/>
-            <ac:spMk id="8" creationId="{13744752-261B-F434-99E4-235446FFFF44}"/>
-          </ac:spMkLst>
-        </pc:spChg>
-        <pc:spChg chg="add mod">
-          <ac:chgData name="Jarod van Otegem" userId="40a590013f178374" providerId="LiveId" clId="{7D47ED93-4E69-4B81-ABD4-DB28384AA08A}" dt="2025-06-10T13:06:24.923" v="797" actId="1076"/>
-          <ac:spMkLst>
-            <pc:docMk/>
-            <pc:sldMk cId="84777766" sldId="264"/>
-            <ac:spMk id="9" creationId="{F80FF638-A57C-07CC-94E1-5678B074AB68}"/>
-          </ac:spMkLst>
-        </pc:spChg>
-        <pc:spChg chg="add mod">
-          <ac:chgData name="Jarod van Otegem" userId="40a590013f178374" providerId="LiveId" clId="{7D47ED93-4E69-4B81-ABD4-DB28384AA08A}" dt="2025-06-10T13:06:24.923" v="797" actId="1076"/>
-          <ac:spMkLst>
-            <pc:docMk/>
-            <pc:sldMk cId="84777766" sldId="264"/>
-            <ac:spMk id="16" creationId="{5A702D6D-8979-8B0B-572C-2AED875BD81D}"/>
-          </ac:spMkLst>
-        </pc:spChg>
-        <pc:spChg chg="add mod">
-          <ac:chgData name="Jarod van Otegem" userId="40a590013f178374" providerId="LiveId" clId="{7D47ED93-4E69-4B81-ABD4-DB28384AA08A}" dt="2025-06-10T13:06:24.923" v="797" actId="1076"/>
-          <ac:spMkLst>
-            <pc:docMk/>
-            <pc:sldMk cId="84777766" sldId="264"/>
-            <ac:spMk id="17" creationId="{E6C25D79-F5BA-E160-BE73-5EACE1E14269}"/>
-          </ac:spMkLst>
-        </pc:spChg>
-        <pc:spChg chg="add mod">
-          <ac:chgData name="Jarod van Otegem" userId="40a590013f178374" providerId="LiveId" clId="{7D47ED93-4E69-4B81-ABD4-DB28384AA08A}" dt="2025-06-10T13:06:24.923" v="797" actId="1076"/>
-          <ac:spMkLst>
-            <pc:docMk/>
-            <pc:sldMk cId="84777766" sldId="264"/>
-            <ac:spMk id="18" creationId="{E572032C-A0F3-65CE-C7FF-2AB8A500B11B}"/>
-          </ac:spMkLst>
-        </pc:spChg>
-        <pc:spChg chg="add mod">
-          <ac:chgData name="Jarod van Otegem" userId="40a590013f178374" providerId="LiveId" clId="{7D47ED93-4E69-4B81-ABD4-DB28384AA08A}" dt="2025-06-10T13:06:24.923" v="797" actId="1076"/>
-          <ac:spMkLst>
-            <pc:docMk/>
-            <pc:sldMk cId="84777766" sldId="264"/>
-            <ac:spMk id="19" creationId="{69E09784-81DF-3350-37E0-80F095A12808}"/>
-          </ac:spMkLst>
-        </pc:spChg>
-        <pc:spChg chg="add mod">
-          <ac:chgData name="Jarod van Otegem" userId="40a590013f178374" providerId="LiveId" clId="{7D47ED93-4E69-4B81-ABD4-DB28384AA08A}" dt="2025-06-10T13:06:24.923" v="797" actId="1076"/>
-          <ac:spMkLst>
-            <pc:docMk/>
-            <pc:sldMk cId="84777766" sldId="264"/>
-            <ac:spMk id="20" creationId="{0990DBE7-52D3-83E2-16B8-6030CD984A8F}"/>
-          </ac:spMkLst>
-        </pc:spChg>
-        <pc:spChg chg="add mod">
-          <ac:chgData name="Jarod van Otegem" userId="40a590013f178374" providerId="LiveId" clId="{7D47ED93-4E69-4B81-ABD4-DB28384AA08A}" dt="2025-06-10T13:06:24.923" v="797" actId="1076"/>
-          <ac:spMkLst>
-            <pc:docMk/>
-            <pc:sldMk cId="84777766" sldId="264"/>
-            <ac:spMk id="22" creationId="{5A8AA8B6-CB28-73EF-A833-6D1571E6BC7D}"/>
-          </ac:spMkLst>
-        </pc:spChg>
-        <pc:spChg chg="add mod">
-          <ac:chgData name="Jarod van Otegem" userId="40a590013f178374" providerId="LiveId" clId="{7D47ED93-4E69-4B81-ABD4-DB28384AA08A}" dt="2025-06-10T13:06:24.923" v="797" actId="1076"/>
-          <ac:spMkLst>
-            <pc:docMk/>
-            <pc:sldMk cId="84777766" sldId="264"/>
-            <ac:spMk id="23" creationId="{DA4FD31F-0759-C2A2-689A-3E60DED40484}"/>
-          </ac:spMkLst>
-        </pc:spChg>
-        <pc:spChg chg="add mod">
-          <ac:chgData name="Jarod van Otegem" userId="40a590013f178374" providerId="LiveId" clId="{7D47ED93-4E69-4B81-ABD4-DB28384AA08A}" dt="2025-06-10T13:06:24.923" v="797" actId="1076"/>
-          <ac:spMkLst>
-            <pc:docMk/>
-            <pc:sldMk cId="84777766" sldId="264"/>
-            <ac:spMk id="26" creationId="{7B2623E3-8519-95B4-6A2B-D2FD432625CF}"/>
-          </ac:spMkLst>
-        </pc:spChg>
-        <pc:spChg chg="add mod">
           <ac:chgData name="Jarod van Otegem" userId="40a590013f178374" providerId="LiveId" clId="{7D47ED93-4E69-4B81-ABD4-DB28384AA08A}" dt="2025-06-10T13:06:54.486" v="803" actId="1076"/>
           <ac:spMkLst>
             <pc:docMk/>
@@ -879,78 +710,6 @@
             <ac:spMk id="38" creationId="{F2188175-C496-7427-2A0E-DFB32056ABDD}"/>
           </ac:spMkLst>
         </pc:spChg>
-        <pc:cxnChg chg="add mod">
-          <ac:chgData name="Jarod van Otegem" userId="40a590013f178374" providerId="LiveId" clId="{7D47ED93-4E69-4B81-ABD4-DB28384AA08A}" dt="2025-06-10T13:06:24.923" v="797" actId="1076"/>
-          <ac:cxnSpMkLst>
-            <pc:docMk/>
-            <pc:sldMk cId="84777766" sldId="264"/>
-            <ac:cxnSpMk id="10" creationId="{A7854B1A-41C5-62C9-4F79-BBE38824E420}"/>
-          </ac:cxnSpMkLst>
-        </pc:cxnChg>
-        <pc:cxnChg chg="add mod">
-          <ac:chgData name="Jarod van Otegem" userId="40a590013f178374" providerId="LiveId" clId="{7D47ED93-4E69-4B81-ABD4-DB28384AA08A}" dt="2025-06-10T13:06:24.923" v="797" actId="1076"/>
-          <ac:cxnSpMkLst>
-            <pc:docMk/>
-            <pc:sldMk cId="84777766" sldId="264"/>
-            <ac:cxnSpMk id="11" creationId="{02ED6F4B-B0C2-3E2B-77B5-687A2DD5F82C}"/>
-          </ac:cxnSpMkLst>
-        </pc:cxnChg>
-        <pc:cxnChg chg="add mod">
-          <ac:chgData name="Jarod van Otegem" userId="40a590013f178374" providerId="LiveId" clId="{7D47ED93-4E69-4B81-ABD4-DB28384AA08A}" dt="2025-06-10T13:06:24.923" v="797" actId="1076"/>
-          <ac:cxnSpMkLst>
-            <pc:docMk/>
-            <pc:sldMk cId="84777766" sldId="264"/>
-            <ac:cxnSpMk id="12" creationId="{EE733C6D-AFB3-4B9B-1C21-D58D1B8EFA65}"/>
-          </ac:cxnSpMkLst>
-        </pc:cxnChg>
-        <pc:cxnChg chg="add mod">
-          <ac:chgData name="Jarod van Otegem" userId="40a590013f178374" providerId="LiveId" clId="{7D47ED93-4E69-4B81-ABD4-DB28384AA08A}" dt="2025-06-10T13:06:24.923" v="797" actId="1076"/>
-          <ac:cxnSpMkLst>
-            <pc:docMk/>
-            <pc:sldMk cId="84777766" sldId="264"/>
-            <ac:cxnSpMk id="13" creationId="{AA66E27E-E821-C3AA-8A36-7BDBAB97D403}"/>
-          </ac:cxnSpMkLst>
-        </pc:cxnChg>
-        <pc:cxnChg chg="add mod">
-          <ac:chgData name="Jarod van Otegem" userId="40a590013f178374" providerId="LiveId" clId="{7D47ED93-4E69-4B81-ABD4-DB28384AA08A}" dt="2025-06-10T13:06:24.923" v="797" actId="1076"/>
-          <ac:cxnSpMkLst>
-            <pc:docMk/>
-            <pc:sldMk cId="84777766" sldId="264"/>
-            <ac:cxnSpMk id="14" creationId="{2F61B2E7-5B18-06CA-B3EC-6DF503515DB4}"/>
-          </ac:cxnSpMkLst>
-        </pc:cxnChg>
-        <pc:cxnChg chg="add mod">
-          <ac:chgData name="Jarod van Otegem" userId="40a590013f178374" providerId="LiveId" clId="{7D47ED93-4E69-4B81-ABD4-DB28384AA08A}" dt="2025-06-10T13:06:24.923" v="797" actId="1076"/>
-          <ac:cxnSpMkLst>
-            <pc:docMk/>
-            <pc:sldMk cId="84777766" sldId="264"/>
-            <ac:cxnSpMk id="15" creationId="{B2C63757-57E5-170B-244A-A8776AC5AD9F}"/>
-          </ac:cxnSpMkLst>
-        </pc:cxnChg>
-        <pc:cxnChg chg="add mod">
-          <ac:chgData name="Jarod van Otegem" userId="40a590013f178374" providerId="LiveId" clId="{7D47ED93-4E69-4B81-ABD4-DB28384AA08A}" dt="2025-06-10T13:06:24.923" v="797" actId="1076"/>
-          <ac:cxnSpMkLst>
-            <pc:docMk/>
-            <pc:sldMk cId="84777766" sldId="264"/>
-            <ac:cxnSpMk id="21" creationId="{D7A9CE27-EACF-F753-C904-5D3EC8F7CD60}"/>
-          </ac:cxnSpMkLst>
-        </pc:cxnChg>
-        <pc:cxnChg chg="add mod">
-          <ac:chgData name="Jarod van Otegem" userId="40a590013f178374" providerId="LiveId" clId="{7D47ED93-4E69-4B81-ABD4-DB28384AA08A}" dt="2025-06-10T13:06:24.923" v="797" actId="1076"/>
-          <ac:cxnSpMkLst>
-            <pc:docMk/>
-            <pc:sldMk cId="84777766" sldId="264"/>
-            <ac:cxnSpMk id="24" creationId="{D7C389D0-8663-538B-0529-519C4EA1ECA1}"/>
-          </ac:cxnSpMkLst>
-        </pc:cxnChg>
-        <pc:cxnChg chg="add mod">
-          <ac:chgData name="Jarod van Otegem" userId="40a590013f178374" providerId="LiveId" clId="{7D47ED93-4E69-4B81-ABD4-DB28384AA08A}" dt="2025-06-10T13:06:24.923" v="797" actId="1076"/>
-          <ac:cxnSpMkLst>
-            <pc:docMk/>
-            <pc:sldMk cId="84777766" sldId="264"/>
-            <ac:cxnSpMk id="25" creationId="{3E99DE92-E44F-BED9-2BBF-75392818313E}"/>
-          </ac:cxnSpMkLst>
-        </pc:cxnChg>
         <pc:cxnChg chg="add mod">
           <ac:chgData name="Jarod van Otegem" userId="40a590013f178374" providerId="LiveId" clId="{7D47ED93-4E69-4B81-ABD4-DB28384AA08A}" dt="2025-06-10T13:06:54.486" v="803" actId="1076"/>
           <ac:cxnSpMkLst>
@@ -974,22 +733,6 @@
           <pc:docMk/>
           <pc:sldMk cId="620214237" sldId="265"/>
         </pc:sldMkLst>
-        <pc:spChg chg="del">
-          <ac:chgData name="Jarod van Otegem" userId="40a590013f178374" providerId="LiveId" clId="{7D47ED93-4E69-4B81-ABD4-DB28384AA08A}" dt="2025-06-10T13:06:29.867" v="800" actId="478"/>
-          <ac:spMkLst>
-            <pc:docMk/>
-            <pc:sldMk cId="620214237" sldId="265"/>
-            <ac:spMk id="2" creationId="{D314DCE0-1221-5A32-2B84-EAEC46FA4618}"/>
-          </ac:spMkLst>
-        </pc:spChg>
-        <pc:spChg chg="del">
-          <ac:chgData name="Jarod van Otegem" userId="40a590013f178374" providerId="LiveId" clId="{7D47ED93-4E69-4B81-ABD4-DB28384AA08A}" dt="2025-06-10T13:06:31.355" v="801" actId="478"/>
-          <ac:spMkLst>
-            <pc:docMk/>
-            <pc:sldMk cId="620214237" sldId="265"/>
-            <ac:spMk id="3" creationId="{66AE67E9-C602-09DE-8468-0440747DBB59}"/>
-          </ac:spMkLst>
-        </pc:spChg>
         <pc:spChg chg="add mod">
           <ac:chgData name="Jarod van Otegem" userId="40a590013f178374" providerId="LiveId" clId="{7D47ED93-4E69-4B81-ABD4-DB28384AA08A}" dt="2025-06-10T13:06:27.714" v="799"/>
           <ac:spMkLst>
@@ -1244,22 +987,6 @@
           <pc:docMk/>
           <pc:sldMk cId="2399746403" sldId="267"/>
         </pc:sldMkLst>
-        <pc:spChg chg="del">
-          <ac:chgData name="Jarod van Otegem" userId="40a590013f178374" providerId="LiveId" clId="{7D47ED93-4E69-4B81-ABD4-DB28384AA08A}" dt="2025-06-10T13:12:34.896" v="940" actId="478"/>
-          <ac:spMkLst>
-            <pc:docMk/>
-            <pc:sldMk cId="2399746403" sldId="267"/>
-            <ac:spMk id="2" creationId="{4FA9BFB0-7757-BA3C-6BB5-A7E3038467D3}"/>
-          </ac:spMkLst>
-        </pc:spChg>
-        <pc:spChg chg="del">
-          <ac:chgData name="Jarod van Otegem" userId="40a590013f178374" providerId="LiveId" clId="{7D47ED93-4E69-4B81-ABD4-DB28384AA08A}" dt="2025-06-10T13:12:36.003" v="941" actId="478"/>
-          <ac:spMkLst>
-            <pc:docMk/>
-            <pc:sldMk cId="2399746403" sldId="267"/>
-            <ac:spMk id="3" creationId="{E890A2A8-B69B-4B2D-F426-4532B7A940C6}"/>
-          </ac:spMkLst>
-        </pc:spChg>
         <pc:spChg chg="add mod">
           <ac:chgData name="Jarod van Otegem" userId="40a590013f178374" providerId="LiveId" clId="{7D47ED93-4E69-4B81-ABD4-DB28384AA08A}" dt="2025-06-10T13:12:31.988" v="939"/>
           <ac:spMkLst>
@@ -1411,22 +1138,6 @@
           <pc:docMk/>
           <pc:sldMk cId="2224314905" sldId="268"/>
         </pc:sldMkLst>
-        <pc:spChg chg="del">
-          <ac:chgData name="Jarod van Otegem" userId="40a590013f178374" providerId="LiveId" clId="{7D47ED93-4E69-4B81-ABD4-DB28384AA08A}" dt="2025-06-10T20:13:11.494" v="978" actId="478"/>
-          <ac:spMkLst>
-            <pc:docMk/>
-            <pc:sldMk cId="2224314905" sldId="268"/>
-            <ac:spMk id="2" creationId="{7ED1F15B-FD5C-9B66-A7FC-0634BBDC4B5D}"/>
-          </ac:spMkLst>
-        </pc:spChg>
-        <pc:spChg chg="del">
-          <ac:chgData name="Jarod van Otegem" userId="40a590013f178374" providerId="LiveId" clId="{7D47ED93-4E69-4B81-ABD4-DB28384AA08A}" dt="2025-06-10T20:13:09.769" v="977" actId="478"/>
-          <ac:spMkLst>
-            <pc:docMk/>
-            <pc:sldMk cId="2224314905" sldId="268"/>
-            <ac:spMk id="3" creationId="{89D09F6F-427C-DF1C-9F63-B10EA5B5B29C}"/>
-          </ac:spMkLst>
-        </pc:spChg>
         <pc:spChg chg="add mod">
           <ac:chgData name="Jarod van Otegem" userId="40a590013f178374" providerId="LiveId" clId="{7D47ED93-4E69-4B81-ABD4-DB28384AA08A}" dt="2025-06-10T20:13:06.819" v="976"/>
           <ac:spMkLst>
@@ -1506,22 +1217,6 @@
           <pc:docMk/>
           <pc:sldMk cId="570605722" sldId="269"/>
         </pc:sldMkLst>
-        <pc:spChg chg="del">
-          <ac:chgData name="Jarod van Otegem" userId="40a590013f178374" providerId="LiveId" clId="{7D47ED93-4E69-4B81-ABD4-DB28384AA08A}" dt="2025-06-10T20:13:28.554" v="983" actId="478"/>
-          <ac:spMkLst>
-            <pc:docMk/>
-            <pc:sldMk cId="570605722" sldId="269"/>
-            <ac:spMk id="2" creationId="{04CE993A-6548-7F4D-2717-B90186C35AE6}"/>
-          </ac:spMkLst>
-        </pc:spChg>
-        <pc:spChg chg="del">
-          <ac:chgData name="Jarod van Otegem" userId="40a590013f178374" providerId="LiveId" clId="{7D47ED93-4E69-4B81-ABD4-DB28384AA08A}" dt="2025-06-10T20:13:27.241" v="982" actId="478"/>
-          <ac:spMkLst>
-            <pc:docMk/>
-            <pc:sldMk cId="570605722" sldId="269"/>
-            <ac:spMk id="3" creationId="{70D37CB3-BF22-736F-2D53-607D0B678515}"/>
-          </ac:spMkLst>
-        </pc:spChg>
         <pc:spChg chg="add mod">
           <ac:chgData name="Jarod van Otegem" userId="40a590013f178374" providerId="LiveId" clId="{7D47ED93-4E69-4B81-ABD4-DB28384AA08A}" dt="2025-06-10T20:13:24.773" v="981"/>
           <ac:spMkLst>
@@ -1601,22 +1296,6 @@
           <pc:docMk/>
           <pc:sldMk cId="154868417" sldId="270"/>
         </pc:sldMkLst>
-        <pc:spChg chg="del">
-          <ac:chgData name="Jarod van Otegem" userId="40a590013f178374" providerId="LiveId" clId="{7D47ED93-4E69-4B81-ABD4-DB28384AA08A}" dt="2025-06-10T20:13:43.263" v="987" actId="478"/>
-          <ac:spMkLst>
-            <pc:docMk/>
-            <pc:sldMk cId="154868417" sldId="270"/>
-            <ac:spMk id="2" creationId="{1E03A8A2-A1CF-6242-C963-12DC2FF58F1F}"/>
-          </ac:spMkLst>
-        </pc:spChg>
-        <pc:spChg chg="del">
-          <ac:chgData name="Jarod van Otegem" userId="40a590013f178374" providerId="LiveId" clId="{7D47ED93-4E69-4B81-ABD4-DB28384AA08A}" dt="2025-06-10T20:13:41.971" v="986" actId="478"/>
-          <ac:spMkLst>
-            <pc:docMk/>
-            <pc:sldMk cId="154868417" sldId="270"/>
-            <ac:spMk id="3" creationId="{A446E6BB-C179-907B-8C16-A5A8FAA250E0}"/>
-          </ac:spMkLst>
-        </pc:spChg>
         <pc:spChg chg="add mod">
           <ac:chgData name="Jarod van Otegem" userId="40a590013f178374" providerId="LiveId" clId="{7D47ED93-4E69-4B81-ABD4-DB28384AA08A}" dt="2025-06-10T20:13:40.475" v="985"/>
           <ac:spMkLst>
@@ -1760,22 +1439,6 @@
           <pc:docMk/>
           <pc:sldMk cId="1143364649" sldId="271"/>
         </pc:sldMkLst>
-        <pc:spChg chg="del">
-          <ac:chgData name="Jarod van Otegem" userId="40a590013f178374" providerId="LiveId" clId="{7D47ED93-4E69-4B81-ABD4-DB28384AA08A}" dt="2025-06-10T20:13:57.148" v="990" actId="478"/>
-          <ac:spMkLst>
-            <pc:docMk/>
-            <pc:sldMk cId="1143364649" sldId="271"/>
-            <ac:spMk id="2" creationId="{676A327E-3BFE-0681-0467-7B2EF3AF77D3}"/>
-          </ac:spMkLst>
-        </pc:spChg>
-        <pc:spChg chg="del">
-          <ac:chgData name="Jarod van Otegem" userId="40a590013f178374" providerId="LiveId" clId="{7D47ED93-4E69-4B81-ABD4-DB28384AA08A}" dt="2025-06-10T20:13:55.800" v="989" actId="478"/>
-          <ac:spMkLst>
-            <pc:docMk/>
-            <pc:sldMk cId="1143364649" sldId="271"/>
-            <ac:spMk id="3" creationId="{BF8D9ACF-F00C-F831-A241-16FABD13DC51}"/>
-          </ac:spMkLst>
-        </pc:spChg>
         <pc:spChg chg="add mod">
           <ac:chgData name="Jarod van Otegem" userId="40a590013f178374" providerId="LiveId" clId="{7D47ED93-4E69-4B81-ABD4-DB28384AA08A}" dt="2025-06-10T20:13:58.080" v="991"/>
           <ac:spMkLst>
@@ -1943,22 +1606,6 @@
           <pc:docMk/>
           <pc:sldMk cId="1631751765" sldId="272"/>
         </pc:sldMkLst>
-        <pc:spChg chg="del">
-          <ac:chgData name="Jarod van Otegem" userId="40a590013f178374" providerId="LiveId" clId="{7D47ED93-4E69-4B81-ABD4-DB28384AA08A}" dt="2025-06-10T20:14:09.525" v="995" actId="478"/>
-          <ac:spMkLst>
-            <pc:docMk/>
-            <pc:sldMk cId="1631751765" sldId="272"/>
-            <ac:spMk id="2" creationId="{9BDF8BE9-4E61-1D32-8989-8BAABDF92DB4}"/>
-          </ac:spMkLst>
-        </pc:spChg>
-        <pc:spChg chg="del">
-          <ac:chgData name="Jarod van Otegem" userId="40a590013f178374" providerId="LiveId" clId="{7D47ED93-4E69-4B81-ABD4-DB28384AA08A}" dt="2025-06-10T20:14:08.506" v="994" actId="478"/>
-          <ac:spMkLst>
-            <pc:docMk/>
-            <pc:sldMk cId="1631751765" sldId="272"/>
-            <ac:spMk id="3" creationId="{3FF29A41-FAD8-87F8-5178-C8B4FF2C7798}"/>
-          </ac:spMkLst>
-        </pc:spChg>
         <pc:picChg chg="add mod">
           <ac:chgData name="Jarod van Otegem" userId="40a590013f178374" providerId="LiveId" clId="{7D47ED93-4E69-4B81-ABD4-DB28384AA08A}" dt="2025-06-10T20:14:05.942" v="993"/>
           <ac:picMkLst>
@@ -1974,22 +1621,6 @@
           <pc:docMk/>
           <pc:sldMk cId="2871535077" sldId="273"/>
         </pc:sldMkLst>
-        <pc:spChg chg="del">
-          <ac:chgData name="Jarod van Otegem" userId="40a590013f178374" providerId="LiveId" clId="{7D47ED93-4E69-4B81-ABD4-DB28384AA08A}" dt="2025-06-10T20:14:21.192" v="998" actId="478"/>
-          <ac:spMkLst>
-            <pc:docMk/>
-            <pc:sldMk cId="2871535077" sldId="273"/>
-            <ac:spMk id="2" creationId="{FB8E8885-2F89-0B02-9845-6357DA2264A8}"/>
-          </ac:spMkLst>
-        </pc:spChg>
-        <pc:spChg chg="del">
-          <ac:chgData name="Jarod van Otegem" userId="40a590013f178374" providerId="LiveId" clId="{7D47ED93-4E69-4B81-ABD4-DB28384AA08A}" dt="2025-06-10T20:14:22.164" v="999" actId="478"/>
-          <ac:spMkLst>
-            <pc:docMk/>
-            <pc:sldMk cId="2871535077" sldId="273"/>
-            <ac:spMk id="3" creationId="{AF476AA7-9186-40E9-8176-39E23E0F87B7}"/>
-          </ac:spMkLst>
-        </pc:spChg>
         <pc:spChg chg="add mod">
           <ac:chgData name="Jarod van Otegem" userId="40a590013f178374" providerId="LiveId" clId="{7D47ED93-4E69-4B81-ABD4-DB28384AA08A}" dt="2025-06-10T20:14:18.957" v="997"/>
           <ac:spMkLst>
@@ -2240,7 +1871,7 @@
           <a:p>
             <a:fld id="{46451311-CBD5-4883-8E4F-1218AF6F0A1C}" type="datetimeFigureOut">
               <a:rPr lang="en-NL" smtClean="0"/>
-              <a:t>11/06/2025</a:t>
+              <a:t>18/06/2025</a:t>
             </a:fld>
             <a:endParaRPr lang="en-NL"/>
           </a:p>
@@ -2440,7 +2071,7 @@
           <a:p>
             <a:fld id="{46451311-CBD5-4883-8E4F-1218AF6F0A1C}" type="datetimeFigureOut">
               <a:rPr lang="en-NL" smtClean="0"/>
-              <a:t>11/06/2025</a:t>
+              <a:t>18/06/2025</a:t>
             </a:fld>
             <a:endParaRPr lang="en-NL"/>
           </a:p>
@@ -2650,7 +2281,7 @@
           <a:p>
             <a:fld id="{46451311-CBD5-4883-8E4F-1218AF6F0A1C}" type="datetimeFigureOut">
               <a:rPr lang="en-NL" smtClean="0"/>
-              <a:t>11/06/2025</a:t>
+              <a:t>18/06/2025</a:t>
             </a:fld>
             <a:endParaRPr lang="en-NL"/>
           </a:p>
@@ -2850,7 +2481,7 @@
           <a:p>
             <a:fld id="{46451311-CBD5-4883-8E4F-1218AF6F0A1C}" type="datetimeFigureOut">
               <a:rPr lang="en-NL" smtClean="0"/>
-              <a:t>11/06/2025</a:t>
+              <a:t>18/06/2025</a:t>
             </a:fld>
             <a:endParaRPr lang="en-NL"/>
           </a:p>
@@ -3126,7 +2757,7 @@
           <a:p>
             <a:fld id="{46451311-CBD5-4883-8E4F-1218AF6F0A1C}" type="datetimeFigureOut">
               <a:rPr lang="en-NL" smtClean="0"/>
-              <a:t>11/06/2025</a:t>
+              <a:t>18/06/2025</a:t>
             </a:fld>
             <a:endParaRPr lang="en-NL"/>
           </a:p>
@@ -3394,7 +3025,7 @@
           <a:p>
             <a:fld id="{46451311-CBD5-4883-8E4F-1218AF6F0A1C}" type="datetimeFigureOut">
               <a:rPr lang="en-NL" smtClean="0"/>
-              <a:t>11/06/2025</a:t>
+              <a:t>18/06/2025</a:t>
             </a:fld>
             <a:endParaRPr lang="en-NL"/>
           </a:p>
@@ -3809,7 +3440,7 @@
           <a:p>
             <a:fld id="{46451311-CBD5-4883-8E4F-1218AF6F0A1C}" type="datetimeFigureOut">
               <a:rPr lang="en-NL" smtClean="0"/>
-              <a:t>11/06/2025</a:t>
+              <a:t>18/06/2025</a:t>
             </a:fld>
             <a:endParaRPr lang="en-NL"/>
           </a:p>
@@ -3951,7 +3582,7 @@
           <a:p>
             <a:fld id="{46451311-CBD5-4883-8E4F-1218AF6F0A1C}" type="datetimeFigureOut">
               <a:rPr lang="en-NL" smtClean="0"/>
-              <a:t>11/06/2025</a:t>
+              <a:t>18/06/2025</a:t>
             </a:fld>
             <a:endParaRPr lang="en-NL"/>
           </a:p>
@@ -4064,7 +3695,7 @@
           <a:p>
             <a:fld id="{46451311-CBD5-4883-8E4F-1218AF6F0A1C}" type="datetimeFigureOut">
               <a:rPr lang="en-NL" smtClean="0"/>
-              <a:t>11/06/2025</a:t>
+              <a:t>18/06/2025</a:t>
             </a:fld>
             <a:endParaRPr lang="en-NL"/>
           </a:p>
@@ -4377,7 +4008,7 @@
           <a:p>
             <a:fld id="{46451311-CBD5-4883-8E4F-1218AF6F0A1C}" type="datetimeFigureOut">
               <a:rPr lang="en-NL" smtClean="0"/>
-              <a:t>11/06/2025</a:t>
+              <a:t>18/06/2025</a:t>
             </a:fld>
             <a:endParaRPr lang="en-NL"/>
           </a:p>
@@ -4666,7 +4297,7 @@
           <a:p>
             <a:fld id="{46451311-CBD5-4883-8E4F-1218AF6F0A1C}" type="datetimeFigureOut">
               <a:rPr lang="en-NL" smtClean="0"/>
-              <a:t>11/06/2025</a:t>
+              <a:t>18/06/2025</a:t>
             </a:fld>
             <a:endParaRPr lang="en-NL"/>
           </a:p>
@@ -4909,7 +4540,7 @@
           <a:p>
             <a:fld id="{46451311-CBD5-4883-8E4F-1218AF6F0A1C}" type="datetimeFigureOut">
               <a:rPr lang="en-NL" smtClean="0"/>
-              <a:t>11/06/2025</a:t>
+              <a:t>18/06/2025</a:t>
             </a:fld>
             <a:endParaRPr lang="en-NL"/>
           </a:p>
@@ -12320,7 +11951,7 @@
           </a:xfrm>
           <a:prstGeom prst="bentConnector3">
             <a:avLst>
-              <a:gd name="adj1" fmla="val -25790"/>
+              <a:gd name="adj1" fmla="val -21540"/>
             </a:avLst>
           </a:prstGeom>
         </p:spPr>
@@ -12606,6 +12237,93 @@
             <a:ext cx="0" cy="354389"/>
           </a:xfrm>
           <a:prstGeom prst="line">
+            <a:avLst/>
+          </a:prstGeom>
+        </p:spPr>
+        <p:style>
+          <a:lnRef idx="2">
+            <a:schemeClr val="dk1"/>
+          </a:lnRef>
+          <a:fillRef idx="0">
+            <a:schemeClr val="dk1"/>
+          </a:fillRef>
+          <a:effectRef idx="1">
+            <a:schemeClr val="dk1"/>
+          </a:effectRef>
+          <a:fontRef idx="minor">
+            <a:schemeClr val="tx1"/>
+          </a:fontRef>
+        </p:style>
+      </p:cxnSp>
+      <p:sp>
+        <p:nvSpPr>
+          <p:cNvPr id="2" name="Rectangle 1">
+            <a:extLst>
+              <a:ext uri="{FF2B5EF4-FFF2-40B4-BE49-F238E27FC236}">
+                <a16:creationId xmlns:a16="http://schemas.microsoft.com/office/drawing/2014/main" id="{478498F9-B9DB-E357-D408-B70DB69DDBE3}"/>
+              </a:ext>
+            </a:extLst>
+          </p:cNvPr>
+          <p:cNvSpPr/>
+          <p:nvPr/>
+        </p:nvSpPr>
+        <p:spPr>
+          <a:xfrm>
+            <a:off x="7198760" y="5651744"/>
+            <a:ext cx="2061028" cy="875890"/>
+          </a:xfrm>
+          <a:prstGeom prst="rect">
+            <a:avLst/>
+          </a:prstGeom>
+        </p:spPr>
+        <p:style>
+          <a:lnRef idx="2">
+            <a:schemeClr val="dk1"/>
+          </a:lnRef>
+          <a:fillRef idx="1">
+            <a:schemeClr val="lt1"/>
+          </a:fillRef>
+          <a:effectRef idx="0">
+            <a:schemeClr val="dk1"/>
+          </a:effectRef>
+          <a:fontRef idx="minor">
+            <a:schemeClr val="dk1"/>
+          </a:fontRef>
+        </p:style>
+        <p:txBody>
+          <a:bodyPr rtlCol="0" anchor="ctr"/>
+          <a:lstStyle/>
+          <a:p>
+            <a:pPr algn="ctr"/>
+            <a:r>
+              <a:rPr lang="en-US"/>
+              <a:t>GraphThread</a:t>
+            </a:r>
+            <a:endParaRPr lang="en-NL" dirty="0"/>
+          </a:p>
+        </p:txBody>
+      </p:sp>
+      <p:cxnSp>
+        <p:nvCxnSpPr>
+          <p:cNvPr id="3" name="Connector: Elbow 2">
+            <a:extLst>
+              <a:ext uri="{FF2B5EF4-FFF2-40B4-BE49-F238E27FC236}">
+                <a16:creationId xmlns:a16="http://schemas.microsoft.com/office/drawing/2014/main" id="{7B76E272-DEC4-75B7-3DAB-BDEA64D82844}"/>
+              </a:ext>
+            </a:extLst>
+          </p:cNvPr>
+          <p:cNvCxnSpPr>
+            <a:cxnSpLocks/>
+            <a:stCxn id="2" idx="1"/>
+          </p:cNvCxnSpPr>
+          <p:nvPr/>
+        </p:nvCxnSpPr>
+        <p:spPr>
+          <a:xfrm rot="10800000">
+            <a:off x="7073578" y="2334093"/>
+            <a:ext cx="125182" cy="3755596"/>
+          </a:xfrm>
+          <a:prstGeom prst="bentConnector2">
             <a:avLst/>
           </a:prstGeom>
         </p:spPr>

--- a/Update Meeting.pptx
+++ b/Update Meeting.pptx
@@ -132,7 +132,7 @@
 <file path=ppt/revisionInfo.xml><?xml version="1.0" encoding="utf-8"?>
 <p1510:revInfo xmlns:a="http://schemas.openxmlformats.org/drawingml/2006/main" xmlns:r="http://schemas.openxmlformats.org/officeDocument/2006/relationships" xmlns:p1510="http://schemas.microsoft.com/office/powerpoint/2015/10/main">
   <p1510:revLst>
-    <p1510:client id="{DFB0F0DC-DB6D-4F95-B181-2346509E62EC}" v="4" dt="2025-06-18T08:03:35.979"/>
+    <p1510:client id="{DFB0F0DC-DB6D-4F95-B181-2346509E62EC}" v="6" dt="2025-06-23T10:50:59.021"/>
   </p1510:revLst>
 </p1510:revInfo>
 </file>
@@ -142,12 +142,12 @@
   <pc:docChgLst>
     <pc:chgData name="Jarod van Otegem" userId="40a590013f178374" providerId="LiveId" clId="{DFB0F0DC-DB6D-4F95-B181-2346509E62EC}"/>
     <pc:docChg chg="custSel modSld">
-      <pc:chgData name="Jarod van Otegem" userId="40a590013f178374" providerId="LiveId" clId="{DFB0F0DC-DB6D-4F95-B181-2346509E62EC}" dt="2025-06-18T08:06:36.694" v="228" actId="20577"/>
+      <pc:chgData name="Jarod van Otegem" userId="40a590013f178374" providerId="LiveId" clId="{DFB0F0DC-DB6D-4F95-B181-2346509E62EC}" dt="2025-06-23T10:51:32.591" v="281" actId="1076"/>
       <pc:docMkLst>
         <pc:docMk/>
       </pc:docMkLst>
-      <pc:sldChg chg="addSp modSp mod">
-        <pc:chgData name="Jarod van Otegem" userId="40a590013f178374" providerId="LiveId" clId="{DFB0F0DC-DB6D-4F95-B181-2346509E62EC}" dt="2025-06-18T08:06:36.694" v="228" actId="20577"/>
+      <pc:sldChg chg="addSp delSp modSp mod">
+        <pc:chgData name="Jarod van Otegem" userId="40a590013f178374" providerId="LiveId" clId="{DFB0F0DC-DB6D-4F95-B181-2346509E62EC}" dt="2025-06-23T10:51:32.591" v="281" actId="1076"/>
         <pc:sldMkLst>
           <pc:docMk/>
           <pc:sldMk cId="1529055336" sldId="257"/>
@@ -161,7 +161,15 @@
           </ac:spMkLst>
         </pc:spChg>
         <pc:spChg chg="add mod">
-          <ac:chgData name="Jarod van Otegem" userId="40a590013f178374" providerId="LiveId" clId="{DFB0F0DC-DB6D-4F95-B181-2346509E62EC}" dt="2025-06-11T14:15:13.199" v="203" actId="20577"/>
+          <ac:chgData name="Jarod van Otegem" userId="40a590013f178374" providerId="LiveId" clId="{DFB0F0DC-DB6D-4F95-B181-2346509E62EC}" dt="2025-06-23T10:50:19.069" v="264" actId="20577"/>
+          <ac:spMkLst>
+            <pc:docMk/>
+            <pc:sldMk cId="1529055336" sldId="257"/>
+            <ac:spMk id="10" creationId="{0ED7ADAE-F191-1156-C738-12E294DE0B70}"/>
+          </ac:spMkLst>
+        </pc:spChg>
+        <pc:spChg chg="add mod">
+          <ac:chgData name="Jarod van Otegem" userId="40a590013f178374" providerId="LiveId" clId="{DFB0F0DC-DB6D-4F95-B181-2346509E62EC}" dt="2025-06-23T10:50:24.494" v="271" actId="20577"/>
           <ac:spMkLst>
             <pc:docMk/>
             <pc:sldMk cId="1529055336" sldId="257"/>
@@ -177,7 +185,7 @@
           </ac:spMkLst>
         </pc:spChg>
         <pc:spChg chg="mod">
-          <ac:chgData name="Jarod van Otegem" userId="40a590013f178374" providerId="LiveId" clId="{DFB0F0DC-DB6D-4F95-B181-2346509E62EC}" dt="2025-06-11T14:14:24.741" v="187" actId="1076"/>
+          <ac:chgData name="Jarod van Otegem" userId="40a590013f178374" providerId="LiveId" clId="{DFB0F0DC-DB6D-4F95-B181-2346509E62EC}" dt="2025-06-23T10:50:02.546" v="237" actId="1076"/>
           <ac:spMkLst>
             <pc:docMk/>
             <pc:sldMk cId="1529055336" sldId="257"/>
@@ -200,12 +208,36 @@
             <ac:cxnSpMk id="3" creationId="{7B76E272-DEC4-75B7-3DAB-BDEA64D82844}"/>
           </ac:cxnSpMkLst>
         </pc:cxnChg>
-        <pc:cxnChg chg="add mod">
-          <ac:chgData name="Jarod van Otegem" userId="40a590013f178374" providerId="LiveId" clId="{DFB0F0DC-DB6D-4F95-B181-2346509E62EC}" dt="2025-06-11T14:15:24.375" v="205" actId="1076"/>
+        <pc:cxnChg chg="add del mod">
+          <ac:chgData name="Jarod van Otegem" userId="40a590013f178374" providerId="LiveId" clId="{DFB0F0DC-DB6D-4F95-B181-2346509E62EC}" dt="2025-06-23T10:50:44.102" v="275" actId="478"/>
+          <ac:cxnSpMkLst>
+            <pc:docMk/>
+            <pc:sldMk cId="1529055336" sldId="257"/>
+            <ac:cxnSpMk id="13" creationId="{D241D26D-42CC-A61F-DB72-A2CC9DB2FB30}"/>
+          </ac:cxnSpMkLst>
+        </pc:cxnChg>
+        <pc:cxnChg chg="add del mod">
+          <ac:chgData name="Jarod van Otegem" userId="40a590013f178374" providerId="LiveId" clId="{DFB0F0DC-DB6D-4F95-B181-2346509E62EC}" dt="2025-06-23T10:49:31.947" v="230" actId="478"/>
           <ac:cxnSpMkLst>
             <pc:docMk/>
             <pc:sldMk cId="1529055336" sldId="257"/>
             <ac:cxnSpMk id="16" creationId="{1AD06822-412C-C0BB-44C3-5EB0D71833D3}"/>
+          </ac:cxnSpMkLst>
+        </pc:cxnChg>
+        <pc:cxnChg chg="add mod">
+          <ac:chgData name="Jarod van Otegem" userId="40a590013f178374" providerId="LiveId" clId="{DFB0F0DC-DB6D-4F95-B181-2346509E62EC}" dt="2025-06-23T10:50:57.369" v="277" actId="13822"/>
+          <ac:cxnSpMkLst>
+            <pc:docMk/>
+            <pc:sldMk cId="1529055336" sldId="257"/>
+            <ac:cxnSpMk id="18" creationId="{A31F8A11-F619-D9B2-5E1F-C15D3090596D}"/>
+          </ac:cxnSpMkLst>
+        </pc:cxnChg>
+        <pc:cxnChg chg="add mod">
+          <ac:chgData name="Jarod van Otegem" userId="40a590013f178374" providerId="LiveId" clId="{DFB0F0DC-DB6D-4F95-B181-2346509E62EC}" dt="2025-06-23T10:51:04.120" v="280" actId="14100"/>
+          <ac:cxnSpMkLst>
+            <pc:docMk/>
+            <pc:sldMk cId="1529055336" sldId="257"/>
+            <ac:cxnSpMk id="21" creationId="{DF155E7F-076F-5D36-A456-190624159398}"/>
           </ac:cxnSpMkLst>
         </pc:cxnChg>
         <pc:cxnChg chg="mod">
@@ -217,7 +249,7 @@
           </ac:cxnSpMkLst>
         </pc:cxnChg>
         <pc:cxnChg chg="mod">
-          <ac:chgData name="Jarod van Otegem" userId="40a590013f178374" providerId="LiveId" clId="{DFB0F0DC-DB6D-4F95-B181-2346509E62EC}" dt="2025-06-11T14:14:32.208" v="189" actId="14100"/>
+          <ac:chgData name="Jarod van Otegem" userId="40a590013f178374" providerId="LiveId" clId="{DFB0F0DC-DB6D-4F95-B181-2346509E62EC}" dt="2025-06-23T10:51:32.591" v="281" actId="1076"/>
           <ac:cxnSpMkLst>
             <pc:docMk/>
             <pc:sldMk cId="1529055336" sldId="257"/>
@@ -1871,7 +1903,7 @@
           <a:p>
             <a:fld id="{46451311-CBD5-4883-8E4F-1218AF6F0A1C}" type="datetimeFigureOut">
               <a:rPr lang="en-NL" smtClean="0"/>
-              <a:t>18/06/2025</a:t>
+              <a:t>23/06/2025</a:t>
             </a:fld>
             <a:endParaRPr lang="en-NL"/>
           </a:p>
@@ -2071,7 +2103,7 @@
           <a:p>
             <a:fld id="{46451311-CBD5-4883-8E4F-1218AF6F0A1C}" type="datetimeFigureOut">
               <a:rPr lang="en-NL" smtClean="0"/>
-              <a:t>18/06/2025</a:t>
+              <a:t>23/06/2025</a:t>
             </a:fld>
             <a:endParaRPr lang="en-NL"/>
           </a:p>
@@ -2281,7 +2313,7 @@
           <a:p>
             <a:fld id="{46451311-CBD5-4883-8E4F-1218AF6F0A1C}" type="datetimeFigureOut">
               <a:rPr lang="en-NL" smtClean="0"/>
-              <a:t>18/06/2025</a:t>
+              <a:t>23/06/2025</a:t>
             </a:fld>
             <a:endParaRPr lang="en-NL"/>
           </a:p>
@@ -2481,7 +2513,7 @@
           <a:p>
             <a:fld id="{46451311-CBD5-4883-8E4F-1218AF6F0A1C}" type="datetimeFigureOut">
               <a:rPr lang="en-NL" smtClean="0"/>
-              <a:t>18/06/2025</a:t>
+              <a:t>23/06/2025</a:t>
             </a:fld>
             <a:endParaRPr lang="en-NL"/>
           </a:p>
@@ -2757,7 +2789,7 @@
           <a:p>
             <a:fld id="{46451311-CBD5-4883-8E4F-1218AF6F0A1C}" type="datetimeFigureOut">
               <a:rPr lang="en-NL" smtClean="0"/>
-              <a:t>18/06/2025</a:t>
+              <a:t>23/06/2025</a:t>
             </a:fld>
             <a:endParaRPr lang="en-NL"/>
           </a:p>
@@ -3025,7 +3057,7 @@
           <a:p>
             <a:fld id="{46451311-CBD5-4883-8E4F-1218AF6F0A1C}" type="datetimeFigureOut">
               <a:rPr lang="en-NL" smtClean="0"/>
-              <a:t>18/06/2025</a:t>
+              <a:t>23/06/2025</a:t>
             </a:fld>
             <a:endParaRPr lang="en-NL"/>
           </a:p>
@@ -3440,7 +3472,7 @@
           <a:p>
             <a:fld id="{46451311-CBD5-4883-8E4F-1218AF6F0A1C}" type="datetimeFigureOut">
               <a:rPr lang="en-NL" smtClean="0"/>
-              <a:t>18/06/2025</a:t>
+              <a:t>23/06/2025</a:t>
             </a:fld>
             <a:endParaRPr lang="en-NL"/>
           </a:p>
@@ -3582,7 +3614,7 @@
           <a:p>
             <a:fld id="{46451311-CBD5-4883-8E4F-1218AF6F0A1C}" type="datetimeFigureOut">
               <a:rPr lang="en-NL" smtClean="0"/>
-              <a:t>18/06/2025</a:t>
+              <a:t>23/06/2025</a:t>
             </a:fld>
             <a:endParaRPr lang="en-NL"/>
           </a:p>
@@ -3695,7 +3727,7 @@
           <a:p>
             <a:fld id="{46451311-CBD5-4883-8E4F-1218AF6F0A1C}" type="datetimeFigureOut">
               <a:rPr lang="en-NL" smtClean="0"/>
-              <a:t>18/06/2025</a:t>
+              <a:t>23/06/2025</a:t>
             </a:fld>
             <a:endParaRPr lang="en-NL"/>
           </a:p>
@@ -4008,7 +4040,7 @@
           <a:p>
             <a:fld id="{46451311-CBD5-4883-8E4F-1218AF6F0A1C}" type="datetimeFigureOut">
               <a:rPr lang="en-NL" smtClean="0"/>
-              <a:t>18/06/2025</a:t>
+              <a:t>23/06/2025</a:t>
             </a:fld>
             <a:endParaRPr lang="en-NL"/>
           </a:p>
@@ -4297,7 +4329,7 @@
           <a:p>
             <a:fld id="{46451311-CBD5-4883-8E4F-1218AF6F0A1C}" type="datetimeFigureOut">
               <a:rPr lang="en-NL" smtClean="0"/>
-              <a:t>18/06/2025</a:t>
+              <a:t>23/06/2025</a:t>
             </a:fld>
             <a:endParaRPr lang="en-NL"/>
           </a:p>
@@ -4540,7 +4572,7 @@
           <a:p>
             <a:fld id="{46451311-CBD5-4883-8E4F-1218AF6F0A1C}" type="datetimeFigureOut">
               <a:rPr lang="en-NL" smtClean="0"/>
-              <a:t>18/06/2025</a:t>
+              <a:t>23/06/2025</a:t>
             </a:fld>
             <a:endParaRPr lang="en-NL"/>
           </a:p>
@@ -11808,8 +11840,8 @@
         </p:nvSpPr>
         <p:spPr>
           <a:xfrm>
-            <a:off x="3682676" y="5651745"/>
-            <a:ext cx="2061028" cy="875890"/>
+            <a:off x="2907651" y="5651744"/>
+            <a:ext cx="1310563" cy="875890"/>
           </a:xfrm>
           <a:prstGeom prst="rect">
             <a:avLst/>
@@ -11836,7 +11868,7 @@
             <a:pPr algn="ctr"/>
             <a:r>
               <a:rPr lang="en-US" sz="1600" dirty="0" err="1"/>
-              <a:t>Exponential_steps</a:t>
+              <a:t>Exponentialsteps</a:t>
             </a:r>
             <a:endParaRPr lang="en-NL" sz="1600" dirty="0"/>
           </a:p>
@@ -11858,7 +11890,7 @@
         </p:nvCxnSpPr>
         <p:spPr>
           <a:xfrm>
-            <a:off x="4328932" y="5297356"/>
+            <a:off x="3562932" y="5297355"/>
             <a:ext cx="0" cy="354389"/>
           </a:xfrm>
           <a:prstGeom prst="line">
@@ -12184,7 +12216,7 @@
         <p:spPr>
           <a:xfrm>
             <a:off x="1382161" y="5651745"/>
-            <a:ext cx="2061028" cy="875890"/>
+            <a:ext cx="1310563" cy="875890"/>
           </a:xfrm>
           <a:prstGeom prst="rect">
             <a:avLst/>
@@ -12210,33 +12242,82 @@
           <a:p>
             <a:pPr algn="ctr"/>
             <a:r>
-              <a:rPr lang="en-US" sz="1600" dirty="0" err="1"/>
-              <a:t>Start_Popup</a:t>
+              <a:rPr lang="en-US" sz="1600" dirty="0"/>
+              <a:t>Start    Popup</a:t>
             </a:r>
             <a:endParaRPr lang="en-NL" sz="1600" dirty="0"/>
+          </a:p>
+        </p:txBody>
+      </p:sp>
+      <p:sp>
+        <p:nvSpPr>
+          <p:cNvPr id="2" name="Rectangle 1">
+            <a:extLst>
+              <a:ext uri="{FF2B5EF4-FFF2-40B4-BE49-F238E27FC236}">
+                <a16:creationId xmlns:a16="http://schemas.microsoft.com/office/drawing/2014/main" id="{478498F9-B9DB-E357-D408-B70DB69DDBE3}"/>
+              </a:ext>
+            </a:extLst>
+          </p:cNvPr>
+          <p:cNvSpPr/>
+          <p:nvPr/>
+        </p:nvSpPr>
+        <p:spPr>
+          <a:xfrm>
+            <a:off x="7198760" y="5651744"/>
+            <a:ext cx="2061028" cy="875890"/>
+          </a:xfrm>
+          <a:prstGeom prst="rect">
+            <a:avLst/>
+          </a:prstGeom>
+        </p:spPr>
+        <p:style>
+          <a:lnRef idx="2">
+            <a:schemeClr val="dk1"/>
+          </a:lnRef>
+          <a:fillRef idx="1">
+            <a:schemeClr val="lt1"/>
+          </a:fillRef>
+          <a:effectRef idx="0">
+            <a:schemeClr val="dk1"/>
+          </a:effectRef>
+          <a:fontRef idx="minor">
+            <a:schemeClr val="dk1"/>
+          </a:fontRef>
+        </p:style>
+        <p:txBody>
+          <a:bodyPr rtlCol="0" anchor="ctr"/>
+          <a:lstStyle/>
+          <a:p>
+            <a:pPr algn="ctr"/>
+            <a:r>
+              <a:rPr lang="en-US"/>
+              <a:t>GraphThread</a:t>
+            </a:r>
+            <a:endParaRPr lang="en-NL" dirty="0"/>
           </a:p>
         </p:txBody>
       </p:sp>
       <p:cxnSp>
         <p:nvCxnSpPr>
-          <p:cNvPr id="16" name="Straight Connector 15">
-            <a:extLst>
-              <a:ext uri="{FF2B5EF4-FFF2-40B4-BE49-F238E27FC236}">
-                <a16:creationId xmlns:a16="http://schemas.microsoft.com/office/drawing/2014/main" id="{1AD06822-412C-C0BB-44C3-5EB0D71833D3}"/>
+          <p:cNvPr id="3" name="Connector: Elbow 2">
+            <a:extLst>
+              <a:ext uri="{FF2B5EF4-FFF2-40B4-BE49-F238E27FC236}">
+                <a16:creationId xmlns:a16="http://schemas.microsoft.com/office/drawing/2014/main" id="{7B76E272-DEC4-75B7-3DAB-BDEA64D82844}"/>
               </a:ext>
             </a:extLst>
           </p:cNvPr>
           <p:cNvCxnSpPr>
             <a:cxnSpLocks/>
+            <a:stCxn id="2" idx="1"/>
           </p:cNvCxnSpPr>
           <p:nvPr/>
         </p:nvCxnSpPr>
         <p:spPr>
-          <a:xfrm>
-            <a:off x="2791428" y="5297355"/>
-            <a:ext cx="0" cy="354389"/>
-          </a:xfrm>
-          <a:prstGeom prst="line">
+          <a:xfrm rot="10800000">
+            <a:off x="7073578" y="2334093"/>
+            <a:ext cx="125182" cy="3755596"/>
+          </a:xfrm>
+          <a:prstGeom prst="bentConnector2">
             <a:avLst/>
           </a:prstGeom>
         </p:spPr>
@@ -12257,10 +12338,10 @@
       </p:cxnSp>
       <p:sp>
         <p:nvSpPr>
-          <p:cNvPr id="2" name="Rectangle 1">
-            <a:extLst>
-              <a:ext uri="{FF2B5EF4-FFF2-40B4-BE49-F238E27FC236}">
-                <a16:creationId xmlns:a16="http://schemas.microsoft.com/office/drawing/2014/main" id="{478498F9-B9DB-E357-D408-B70DB69DDBE3}"/>
+          <p:cNvPr id="10" name="Rectangle 9">
+            <a:extLst>
+              <a:ext uri="{FF2B5EF4-FFF2-40B4-BE49-F238E27FC236}">
+                <a16:creationId xmlns:a16="http://schemas.microsoft.com/office/drawing/2014/main" id="{0ED7ADAE-F191-1156-C738-12E294DE0B70}"/>
               </a:ext>
             </a:extLst>
           </p:cNvPr>
@@ -12269,8 +12350,8 @@
         </p:nvSpPr>
         <p:spPr>
           <a:xfrm>
-            <a:off x="7198760" y="5651744"/>
-            <a:ext cx="2061028" cy="875890"/>
+            <a:off x="4432023" y="5651744"/>
+            <a:ext cx="1310563" cy="875890"/>
           </a:xfrm>
           <a:prstGeom prst="rect">
             <a:avLst/>
@@ -12296,35 +12377,77 @@
           <a:p>
             <a:pPr algn="ctr"/>
             <a:r>
-              <a:rPr lang="en-US"/>
-              <a:t>GraphThread</a:t>
-            </a:r>
-            <a:endParaRPr lang="en-NL" dirty="0"/>
+              <a:rPr lang="en-US" sz="1600" dirty="0"/>
+              <a:t>Wavelength Popup</a:t>
+            </a:r>
+            <a:endParaRPr lang="en-NL" sz="1600" dirty="0"/>
           </a:p>
         </p:txBody>
       </p:sp>
       <p:cxnSp>
         <p:nvCxnSpPr>
-          <p:cNvPr id="3" name="Connector: Elbow 2">
-            <a:extLst>
-              <a:ext uri="{FF2B5EF4-FFF2-40B4-BE49-F238E27FC236}">
-                <a16:creationId xmlns:a16="http://schemas.microsoft.com/office/drawing/2014/main" id="{7B76E272-DEC4-75B7-3DAB-BDEA64D82844}"/>
+          <p:cNvPr id="18" name="Connector: Elbow 17">
+            <a:extLst>
+              <a:ext uri="{FF2B5EF4-FFF2-40B4-BE49-F238E27FC236}">
+                <a16:creationId xmlns:a16="http://schemas.microsoft.com/office/drawing/2014/main" id="{A31F8A11-F619-D9B2-5E1F-C15D3090596D}"/>
               </a:ext>
             </a:extLst>
           </p:cNvPr>
           <p:cNvCxnSpPr>
-            <a:cxnSpLocks/>
-            <a:stCxn id="2" idx="1"/>
+            <a:stCxn id="14" idx="0"/>
+            <a:endCxn id="9" idx="2"/>
           </p:cNvCxnSpPr>
           <p:nvPr/>
         </p:nvCxnSpPr>
         <p:spPr>
-          <a:xfrm rot="10800000">
-            <a:off x="7073578" y="2334093"/>
-            <a:ext cx="125182" cy="3755596"/>
-          </a:xfrm>
-          <a:prstGeom prst="bentConnector2">
+          <a:xfrm rot="5400000" flipH="1" flipV="1">
+            <a:off x="2622994" y="4711806"/>
+            <a:ext cx="354389" cy="1525490"/>
+          </a:xfrm>
+          <a:prstGeom prst="bentConnector3">
             <a:avLst/>
+          </a:prstGeom>
+        </p:spPr>
+        <p:style>
+          <a:lnRef idx="2">
+            <a:schemeClr val="dk1"/>
+          </a:lnRef>
+          <a:fillRef idx="0">
+            <a:schemeClr val="dk1"/>
+          </a:fillRef>
+          <a:effectRef idx="1">
+            <a:schemeClr val="dk1"/>
+          </a:effectRef>
+          <a:fontRef idx="minor">
+            <a:schemeClr val="tx1"/>
+          </a:fontRef>
+        </p:style>
+      </p:cxnSp>
+      <p:cxnSp>
+        <p:nvCxnSpPr>
+          <p:cNvPr id="21" name="Connector: Elbow 20">
+            <a:extLst>
+              <a:ext uri="{FF2B5EF4-FFF2-40B4-BE49-F238E27FC236}">
+                <a16:creationId xmlns:a16="http://schemas.microsoft.com/office/drawing/2014/main" id="{DF155E7F-076F-5D36-A456-190624159398}"/>
+              </a:ext>
+            </a:extLst>
+          </p:cNvPr>
+          <p:cNvCxnSpPr>
+            <a:cxnSpLocks/>
+            <a:stCxn id="10" idx="0"/>
+            <a:endCxn id="9" idx="2"/>
+          </p:cNvCxnSpPr>
+          <p:nvPr/>
+        </p:nvCxnSpPr>
+        <p:spPr>
+          <a:xfrm rot="16200000" flipV="1">
+            <a:off x="4147925" y="4712364"/>
+            <a:ext cx="354388" cy="1524372"/>
+          </a:xfrm>
+          <a:prstGeom prst="bentConnector3">
+            <a:avLst>
+              <a:gd name="adj1" fmla="val 50000"/>
+            </a:avLst>
           </a:prstGeom>
         </p:spPr>
         <p:style>
